--- a/Day_1/Lectures/Slides/Day_1_Lecture_LifeCyclesApplied.pptx
+++ b/Day_1/Lectures/Slides/Day_1_Lecture_LifeCyclesApplied.pptx
@@ -5,7 +5,7 @@
     <p:sldMasterId id="2147483648" r:id="rId1"/>
   </p:sldMasterIdLst>
   <p:notesMasterIdLst>
-    <p:notesMasterId r:id="rId13"/>
+    <p:notesMasterId r:id="rId14"/>
   </p:notesMasterIdLst>
   <p:sldIdLst>
     <p:sldId id="256" r:id="rId2"/>
@@ -18,7 +18,8 @@
     <p:sldId id="293" r:id="rId9"/>
     <p:sldId id="294" r:id="rId10"/>
     <p:sldId id="295" r:id="rId11"/>
-    <p:sldId id="296" r:id="rId12"/>
+    <p:sldId id="297" r:id="rId12"/>
+    <p:sldId id="298" r:id="rId13"/>
   </p:sldIdLst>
   <p:sldSz cx="9144000" cy="6858000" type="screen4x3"/>
   <p:notesSz cx="6858000" cy="9144000"/>
@@ -468,6 +469,108 @@
     </a:lvl9pPr>
   </p:notesStyle>
 </p:notesMaster>
+</file>
+
+<file path=ppt/notesSlides/notesSlide1.xml><?xml version="1.0" encoding="utf-8"?>
+<p:notes xmlns:a="http://schemas.openxmlformats.org/drawingml/2006/main" xmlns:r="http://schemas.openxmlformats.org/officeDocument/2006/relationships" xmlns:p="http://schemas.openxmlformats.org/presentationml/2006/main">
+  <p:cSld>
+    <p:spTree>
+      <p:nvGrpSpPr>
+        <p:cNvPr id="1" name=""/>
+        <p:cNvGrpSpPr/>
+        <p:nvPr/>
+      </p:nvGrpSpPr>
+      <p:grpSpPr>
+        <a:xfrm>
+          <a:off x="0" y="0"/>
+          <a:ext cx="0" cy="0"/>
+          <a:chOff x="0" y="0"/>
+          <a:chExt cx="0" cy="0"/>
+        </a:xfrm>
+      </p:grpSpPr>
+      <p:sp>
+        <p:nvSpPr>
+          <p:cNvPr id="2" name="Slide Image Placeholder 1"/>
+          <p:cNvSpPr>
+            <a:spLocks noGrp="1" noRot="1" noChangeAspect="1"/>
+          </p:cNvSpPr>
+          <p:nvPr>
+            <p:ph type="sldImg"/>
+          </p:nvPr>
+        </p:nvSpPr>
+        <p:spPr/>
+      </p:sp>
+      <p:sp>
+        <p:nvSpPr>
+          <p:cNvPr id="3" name="Notes Placeholder 2"/>
+          <p:cNvSpPr>
+            <a:spLocks noGrp="1"/>
+          </p:cNvSpPr>
+          <p:nvPr>
+            <p:ph type="body" idx="1"/>
+          </p:nvPr>
+        </p:nvSpPr>
+        <p:spPr/>
+        <p:txBody>
+          <a:bodyPr/>
+          <a:lstStyle/>
+          <a:p>
+            <a:r>
+              <a:rPr lang="en-US" dirty="0" smtClean="0"/>
+              <a:t>Look at </a:t>
+            </a:r>
+            <a:r>
+              <a:rPr lang="en-US" dirty="0" err="1" smtClean="0"/>
+              <a:t>Nic’s</a:t>
+            </a:r>
+            <a:r>
+              <a:rPr lang="en-US" dirty="0" smtClean="0"/>
+              <a:t> slides for this</a:t>
+            </a:r>
+          </a:p>
+          <a:p>
+            <a:r>
+              <a:rPr lang="en-US" dirty="0" smtClean="0"/>
+              <a:t>And </a:t>
+            </a:r>
+            <a:endParaRPr lang="en-US" dirty="0"/>
+          </a:p>
+        </p:txBody>
+      </p:sp>
+      <p:sp>
+        <p:nvSpPr>
+          <p:cNvPr id="4" name="Slide Number Placeholder 3"/>
+          <p:cNvSpPr>
+            <a:spLocks noGrp="1"/>
+          </p:cNvSpPr>
+          <p:nvPr>
+            <p:ph type="sldNum" sz="quarter" idx="10"/>
+          </p:nvPr>
+        </p:nvSpPr>
+        <p:spPr/>
+        <p:txBody>
+          <a:bodyPr/>
+          <a:lstStyle/>
+          <a:p>
+            <a:fld id="{036A4C59-9997-D64D-B418-4F4AB05D75FD}" type="slidenum">
+              <a:rPr lang="en-US" smtClean="0"/>
+              <a:t>8</a:t>
+            </a:fld>
+            <a:endParaRPr lang="en-US"/>
+          </a:p>
+        </p:txBody>
+      </p:sp>
+    </p:spTree>
+    <p:extLst>
+      <p:ext uri="{BB962C8B-B14F-4D97-AF65-F5344CB8AC3E}">
+        <p14:creationId xmlns:p14="http://schemas.microsoft.com/office/powerpoint/2010/main" val="684010357"/>
+      </p:ext>
+    </p:extLst>
+  </p:cSld>
+  <p:clrMapOvr>
+    <a:masterClrMapping/>
+  </p:clrMapOvr>
+</p:notes>
 </file>
 
 <file path=ppt/slideLayouts/slideLayout1.xml><?xml version="1.0" encoding="utf-8"?>
@@ -3703,7 +3806,7 @@
           <a:p>
             <a:r>
               <a:rPr lang="en-US" dirty="0" smtClean="0"/>
-              <a:t>Significant Properties</a:t>
+              <a:t>DMP Tool</a:t>
             </a:r>
             <a:endParaRPr lang="en-US" dirty="0"/>
           </a:p>
@@ -3724,20 +3827,92 @@
           <a:bodyPr/>
           <a:lstStyle/>
           <a:p>
-            <a:r>
-              <a:rPr lang="en-US" dirty="0" smtClean="0"/>
-              <a:t>Conceptual underpinning to a lot of the work we’ve been discussing</a:t>
-            </a:r>
-          </a:p>
-          <a:p>
-            <a:endParaRPr lang="en-US" dirty="0"/>
+            <a:endParaRPr lang="en-US"/>
           </a:p>
         </p:txBody>
       </p:sp>
     </p:spTree>
     <p:extLst>
       <p:ext uri="{BB962C8B-B14F-4D97-AF65-F5344CB8AC3E}">
-        <p14:creationId xmlns:p14="http://schemas.microsoft.com/office/powerpoint/2010/main" val="137053980"/>
+        <p14:creationId xmlns:p14="http://schemas.microsoft.com/office/powerpoint/2010/main" val="255243241"/>
+      </p:ext>
+    </p:extLst>
+  </p:cSld>
+  <p:clrMapOvr>
+    <a:masterClrMapping/>
+  </p:clrMapOvr>
+</p:sld>
+</file>
+
+<file path=ppt/slides/slide12.xml><?xml version="1.0" encoding="utf-8"?>
+<p:sld xmlns:a="http://schemas.openxmlformats.org/drawingml/2006/main" xmlns:r="http://schemas.openxmlformats.org/officeDocument/2006/relationships" xmlns:p="http://schemas.openxmlformats.org/presentationml/2006/main">
+  <p:cSld>
+    <p:spTree>
+      <p:nvGrpSpPr>
+        <p:cNvPr id="1" name=""/>
+        <p:cNvGrpSpPr/>
+        <p:nvPr/>
+      </p:nvGrpSpPr>
+      <p:grpSpPr>
+        <a:xfrm>
+          <a:off x="0" y="0"/>
+          <a:ext cx="0" cy="0"/>
+          <a:chOff x="0" y="0"/>
+          <a:chExt cx="0" cy="0"/>
+        </a:xfrm>
+      </p:grpSpPr>
+      <p:sp>
+        <p:nvSpPr>
+          <p:cNvPr id="2" name="Title 1"/>
+          <p:cNvSpPr>
+            <a:spLocks noGrp="1"/>
+          </p:cNvSpPr>
+          <p:nvPr>
+            <p:ph type="title"/>
+          </p:nvPr>
+        </p:nvSpPr>
+        <p:spPr/>
+        <p:txBody>
+          <a:bodyPr/>
+          <a:lstStyle/>
+          <a:p>
+            <a:r>
+              <a:rPr lang="en-US" dirty="0" smtClean="0"/>
+              <a:t>Significant Properties</a:t>
+            </a:r>
+            <a:endParaRPr lang="en-US" dirty="0"/>
+          </a:p>
+        </p:txBody>
+      </p:sp>
+      <p:sp>
+        <p:nvSpPr>
+          <p:cNvPr id="3" name="Content Placeholder 2"/>
+          <p:cNvSpPr>
+            <a:spLocks noGrp="1"/>
+          </p:cNvSpPr>
+          <p:nvPr>
+            <p:ph idx="1"/>
+          </p:nvPr>
+        </p:nvSpPr>
+        <p:spPr/>
+        <p:txBody>
+          <a:bodyPr/>
+          <a:lstStyle/>
+          <a:p>
+            <a:r>
+              <a:rPr lang="en-US" dirty="0" smtClean="0"/>
+              <a:t>Conceptual underpinning to a lot of the work we’ve been discussing</a:t>
+            </a:r>
+          </a:p>
+          <a:p>
+            <a:endParaRPr lang="en-US" dirty="0"/>
+          </a:p>
+        </p:txBody>
+      </p:sp>
+    </p:spTree>
+    <p:extLst>
+      <p:ext uri="{BB962C8B-B14F-4D97-AF65-F5344CB8AC3E}">
+        <p14:creationId xmlns:p14="http://schemas.microsoft.com/office/powerpoint/2010/main" val="3040319178"/>
       </p:ext>
     </p:extLst>
   </p:cSld>
@@ -3783,19 +3958,7 @@
           <a:p>
             <a:r>
               <a:rPr lang="en-US" dirty="0" smtClean="0"/>
-              <a:t>Using lifecycle models </a:t>
-            </a:r>
-            <a:r>
-              <a:rPr lang="en-US" dirty="0" smtClean="0"/>
-              <a:t>as </a:t>
-            </a:r>
-            <a:r>
-              <a:rPr lang="en-US" dirty="0" smtClean="0"/>
-              <a:t>a curatorial </a:t>
-            </a:r>
-            <a:r>
-              <a:rPr lang="en-US" dirty="0" smtClean="0"/>
-              <a:t>tools</a:t>
+              <a:t>Using lifecycle models as a curatorial tools</a:t>
             </a:r>
             <a:endParaRPr lang="en-US" dirty="0"/>
           </a:p>
@@ -3826,7 +3989,6 @@
               <a:rPr lang="en-US" dirty="0" smtClean="0"/>
               <a:t>Here we’ll talk about other tools that are rooted in understanding or documenting the data lifecycle</a:t>
             </a:r>
-            <a:endParaRPr lang="en-US" dirty="0" smtClean="0"/>
           </a:p>
           <a:p>
             <a:endParaRPr lang="en-US" dirty="0"/>
